--- a/Documentation/Presentation-AstroTech.pptx
+++ b/Documentation/Presentation-AstroTech.pptx
@@ -277,7 +277,7 @@
           <a:p>
             <a:fld id="{C21361AF-35EE-40D4-B6EC-D7C1F54400A0}" type="datetimeFigureOut">
               <a:rPr lang="bg-BG" smtClean="0"/>
-              <a:t>25.2.2024 г.</a:t>
+              <a:t>26.2.2024 г.</a:t>
             </a:fld>
             <a:endParaRPr lang="bg-BG"/>
           </a:p>
@@ -447,7 +447,7 @@
           <a:p>
             <a:fld id="{C21361AF-35EE-40D4-B6EC-D7C1F54400A0}" type="datetimeFigureOut">
               <a:rPr lang="bg-BG" smtClean="0"/>
-              <a:t>25.2.2024 г.</a:t>
+              <a:t>26.2.2024 г.</a:t>
             </a:fld>
             <a:endParaRPr lang="bg-BG"/>
           </a:p>
@@ -627,7 +627,7 @@
           <a:p>
             <a:fld id="{C21361AF-35EE-40D4-B6EC-D7C1F54400A0}" type="datetimeFigureOut">
               <a:rPr lang="bg-BG" smtClean="0"/>
-              <a:t>25.2.2024 г.</a:t>
+              <a:t>26.2.2024 г.</a:t>
             </a:fld>
             <a:endParaRPr lang="bg-BG"/>
           </a:p>
@@ -797,7 +797,7 @@
           <a:p>
             <a:fld id="{C21361AF-35EE-40D4-B6EC-D7C1F54400A0}" type="datetimeFigureOut">
               <a:rPr lang="bg-BG" smtClean="0"/>
-              <a:t>25.2.2024 г.</a:t>
+              <a:t>26.2.2024 г.</a:t>
             </a:fld>
             <a:endParaRPr lang="bg-BG"/>
           </a:p>
@@ -1043,7 +1043,7 @@
           <a:p>
             <a:fld id="{C21361AF-35EE-40D4-B6EC-D7C1F54400A0}" type="datetimeFigureOut">
               <a:rPr lang="bg-BG" smtClean="0"/>
-              <a:t>25.2.2024 г.</a:t>
+              <a:t>26.2.2024 г.</a:t>
             </a:fld>
             <a:endParaRPr lang="bg-BG"/>
           </a:p>
@@ -1275,7 +1275,7 @@
           <a:p>
             <a:fld id="{C21361AF-35EE-40D4-B6EC-D7C1F54400A0}" type="datetimeFigureOut">
               <a:rPr lang="bg-BG" smtClean="0"/>
-              <a:t>25.2.2024 г.</a:t>
+              <a:t>26.2.2024 г.</a:t>
             </a:fld>
             <a:endParaRPr lang="bg-BG"/>
           </a:p>
@@ -1642,7 +1642,7 @@
           <a:p>
             <a:fld id="{C21361AF-35EE-40D4-B6EC-D7C1F54400A0}" type="datetimeFigureOut">
               <a:rPr lang="bg-BG" smtClean="0"/>
-              <a:t>25.2.2024 г.</a:t>
+              <a:t>26.2.2024 г.</a:t>
             </a:fld>
             <a:endParaRPr lang="bg-BG"/>
           </a:p>
@@ -1760,7 +1760,7 @@
           <a:p>
             <a:fld id="{C21361AF-35EE-40D4-B6EC-D7C1F54400A0}" type="datetimeFigureOut">
               <a:rPr lang="bg-BG" smtClean="0"/>
-              <a:t>25.2.2024 г.</a:t>
+              <a:t>26.2.2024 г.</a:t>
             </a:fld>
             <a:endParaRPr lang="bg-BG"/>
           </a:p>
@@ -1855,7 +1855,7 @@
           <a:p>
             <a:fld id="{C21361AF-35EE-40D4-B6EC-D7C1F54400A0}" type="datetimeFigureOut">
               <a:rPr lang="bg-BG" smtClean="0"/>
-              <a:t>25.2.2024 г.</a:t>
+              <a:t>26.2.2024 г.</a:t>
             </a:fld>
             <a:endParaRPr lang="bg-BG"/>
           </a:p>
@@ -2132,7 +2132,7 @@
           <a:p>
             <a:fld id="{C21361AF-35EE-40D4-B6EC-D7C1F54400A0}" type="datetimeFigureOut">
               <a:rPr lang="bg-BG" smtClean="0"/>
-              <a:t>25.2.2024 г.</a:t>
+              <a:t>26.2.2024 г.</a:t>
             </a:fld>
             <a:endParaRPr lang="bg-BG"/>
           </a:p>
@@ -2385,7 +2385,7 @@
           <a:p>
             <a:fld id="{C21361AF-35EE-40D4-B6EC-D7C1F54400A0}" type="datetimeFigureOut">
               <a:rPr lang="bg-BG" smtClean="0"/>
-              <a:t>25.2.2024 г.</a:t>
+              <a:t>26.2.2024 г.</a:t>
             </a:fld>
             <a:endParaRPr lang="bg-BG"/>
           </a:p>
@@ -2598,7 +2598,7 @@
           <a:p>
             <a:fld id="{C21361AF-35EE-40D4-B6EC-D7C1F54400A0}" type="datetimeFigureOut">
               <a:rPr lang="bg-BG" smtClean="0"/>
-              <a:t>25.2.2024 г.</a:t>
+              <a:t>26.2.2024 г.</a:t>
             </a:fld>
             <a:endParaRPr lang="bg-BG"/>
           </a:p>
@@ -3721,13 +3721,6 @@
       </p:transition>
     </mc:Fallback>
   </mc:AlternateContent>
-  <p:timing>
-    <p:tnLst>
-      <p:par>
-        <p:cTn id="1" dur="indefinite" restart="never" nodeType="tmRoot"/>
-      </p:par>
-    </p:tnLst>
-  </p:timing>
 </p:sld>
 </file>
 
@@ -4473,7 +4466,7 @@
           <a:lstStyle/>
           <a:p>
             <a:r>
-              <a:rPr lang="en-US" sz="4000" dirty="0" smtClean="0">
+              <a:rPr lang="en-US" sz="4000" dirty="0">
                 <a:solidFill>
                   <a:schemeClr val="bg1"/>
                 </a:solidFill>
@@ -4513,7 +4506,7 @@
           <a:lstStyle/>
           <a:p>
             <a:r>
-              <a:rPr lang="en-US" sz="2400" dirty="0" smtClean="0">
+              <a:rPr lang="en-US" sz="2400" dirty="0">
                 <a:solidFill>
                   <a:schemeClr val="bg1"/>
                 </a:solidFill>
@@ -4553,7 +4546,7 @@
           <a:lstStyle/>
           <a:p>
             <a:r>
-              <a:rPr lang="en-US" sz="2000" dirty="0" smtClean="0">
+              <a:rPr lang="en-US" sz="2000" dirty="0">
                 <a:solidFill>
                   <a:schemeClr val="bg1"/>
                 </a:solidFill>
@@ -5345,7 +5338,7 @@
                 </a:solidFill>
                 <a:latin typeface="Franklin Gothic Medium" panose="020B0603020102020204" pitchFamily="34" charset="0"/>
               </a:rPr>
-              <a:t>Front-end developer</a:t>
+              <a:t>Back-end developer</a:t>
             </a:r>
             <a:endParaRPr lang="bg-BG" sz="2000" dirty="0">
               <a:solidFill>
@@ -5419,13 +5412,22 @@
           <a:lstStyle/>
           <a:p>
             <a:r>
+              <a:rPr lang="en-US" sz="2000">
+                <a:solidFill>
+                  <a:schemeClr val="bg1"/>
+                </a:solidFill>
+                <a:latin typeface="Franklin Gothic Medium" panose="020B0603020102020204" pitchFamily="34" charset="0"/>
+              </a:rPr>
+              <a:t>Back-end </a:t>
+            </a:r>
+            <a:r>
               <a:rPr lang="en-US" sz="2000" dirty="0">
                 <a:solidFill>
                   <a:schemeClr val="bg1"/>
                 </a:solidFill>
                 <a:latin typeface="Franklin Gothic Medium" panose="020B0603020102020204" pitchFamily="34" charset="0"/>
               </a:rPr>
-              <a:t>Front-end developer</a:t>
+              <a:t>developer</a:t>
             </a:r>
             <a:endParaRPr lang="bg-BG" sz="2000" dirty="0">
               <a:solidFill>
@@ -5458,13 +5460,6 @@
       </p:transition>
     </mc:Fallback>
   </mc:AlternateContent>
-  <p:timing>
-    <p:tnLst>
-      <p:par>
-        <p:cTn id="1" dur="indefinite" restart="never" nodeType="tmRoot"/>
-      </p:par>
-    </p:tnLst>
-  </p:timing>
 </p:sld>
 </file>
 
@@ -5549,7 +5544,7 @@
           <a:lstStyle/>
           <a:p>
             <a:r>
-              <a:rPr lang="en-US" sz="4000" dirty="0" smtClean="0">
+              <a:rPr lang="en-US" sz="4000" dirty="0">
                 <a:solidFill>
                   <a:schemeClr val="bg1"/>
                 </a:solidFill>
@@ -6003,13 +5998,6 @@
       </p:transition>
     </mc:Fallback>
   </mc:AlternateContent>
-  <p:timing>
-    <p:tnLst>
-      <p:par>
-        <p:cTn id="1" dur="indefinite" restart="never" nodeType="tmRoot"/>
-      </p:par>
-    </p:tnLst>
-  </p:timing>
 </p:sld>
 </file>
 
@@ -6100,16 +6088,7 @@
                 </a:solidFill>
                 <a:latin typeface="Franklin Gothic Medium" panose="020B0603020102020204" pitchFamily="34" charset="0"/>
               </a:rPr>
-              <a:t>Used technologies and </a:t>
-            </a:r>
-            <a:r>
-              <a:rPr lang="en-US" sz="4000" dirty="0" smtClean="0">
-                <a:solidFill>
-                  <a:schemeClr val="bg1"/>
-                </a:solidFill>
-                <a:latin typeface="Franklin Gothic Medium" panose="020B0603020102020204" pitchFamily="34" charset="0"/>
-              </a:rPr>
-              <a:t>languages </a:t>
+              <a:t>Used technologies and languages </a:t>
             </a:r>
             <a:endParaRPr lang="bg-BG" sz="4000" dirty="0">
               <a:solidFill>
@@ -6839,13 +6818,6 @@
       </p:transition>
     </mc:Fallback>
   </mc:AlternateContent>
-  <p:timing>
-    <p:tnLst>
-      <p:par>
-        <p:cTn id="1" dur="indefinite" restart="never" nodeType="tmRoot"/>
-      </p:par>
-    </p:tnLst>
-  </p:timing>
 </p:sld>
 </file>
 
@@ -6930,7 +6902,7 @@
           <a:lstStyle/>
           <a:p>
             <a:r>
-              <a:rPr lang="en-US" sz="6000" dirty="0" smtClean="0">
+              <a:rPr lang="en-US" sz="6000" dirty="0">
                 <a:solidFill>
                   <a:schemeClr val="bg1"/>
                 </a:solidFill>
@@ -7092,13 +7064,6 @@
       </p:transition>
     </mc:Fallback>
   </mc:AlternateContent>
-  <p:timing>
-    <p:tnLst>
-      <p:par>
-        <p:cTn id="1" dur="indefinite" restart="never" nodeType="tmRoot"/>
-      </p:par>
-    </p:tnLst>
-  </p:timing>
 </p:sld>
 </file>
 
@@ -7183,7 +7148,7 @@
           <a:lstStyle/>
           <a:p>
             <a:r>
-              <a:rPr lang="en-US" sz="6000" dirty="0" smtClean="0">
+              <a:rPr lang="en-US" sz="6000" dirty="0">
                 <a:solidFill>
                   <a:schemeClr val="bg1"/>
                 </a:solidFill>
@@ -7345,13 +7310,6 @@
       </p:transition>
     </mc:Fallback>
   </mc:AlternateContent>
-  <p:timing>
-    <p:tnLst>
-      <p:par>
-        <p:cTn id="1" dur="indefinite" restart="never" nodeType="tmRoot"/>
-      </p:par>
-    </p:tnLst>
-  </p:timing>
 </p:sld>
 </file>
 
